--- a/sigset/documentos/Documentos finales/PresentacionFlujocaja.pptx
+++ b/sigset/documentos/Documentos finales/PresentacionFlujocaja.pptx
@@ -250,7 +250,7 @@
               <a:pPr>
                 <a:defRPr/>
               </a:pPr>
-              <a:t>08/12/2009</a:t>
+              <a:t>10/12/2009</a:t>
             </a:fld>
             <a:endParaRPr lang="es-ES_tradnl"/>
           </a:p>
@@ -19163,6 +19163,13 @@
     <a:masterClrMapping/>
   </p:clrMapOvr>
   <p:transition/>
+  <p:timing>
+    <p:tnLst>
+      <p:par>
+        <p:cTn id="1" dur="indefinite" restart="never" nodeType="tmRoot"/>
+      </p:par>
+    </p:tnLst>
+  </p:timing>
 </p:sld>
 </file>
 
@@ -19192,7 +19199,7 @@
           <p:nvPr/>
         </p:nvGraphicFramePr>
         <p:xfrm>
-          <a:off x="3054350" y="612588"/>
+          <a:off x="3054350" y="1195912"/>
           <a:ext cx="3035300" cy="1927098"/>
         </p:xfrm>
         <a:graphic>
@@ -23179,12 +23186,55 @@
           </a:graphicData>
         </a:graphic>
       </p:graphicFrame>
+      <p:sp>
+        <p:nvSpPr>
+          <p:cNvPr id="4" name="3 CuadroTexto"/>
+          <p:cNvSpPr txBox="1"/>
+          <p:nvPr/>
+        </p:nvSpPr>
+        <p:spPr>
+          <a:xfrm>
+            <a:off x="567559" y="520262"/>
+            <a:ext cx="8245365" cy="461665"/>
+          </a:xfrm>
+          <a:prstGeom prst="rect">
+            <a:avLst/>
+          </a:prstGeom>
+          <a:noFill/>
+        </p:spPr>
+        <p:txBody>
+          <a:bodyPr wrap="square" rtlCol="0">
+            <a:spAutoFit/>
+          </a:bodyPr>
+          <a:lstStyle/>
+          <a:p>
+            <a:r>
+              <a:rPr lang="es-ES" dirty="0" smtClean="0">
+                <a:latin typeface="Arial" pitchFamily="34" charset="0"/>
+                <a:cs typeface="Arial" pitchFamily="34" charset="0"/>
+              </a:rPr>
+              <a:t>Detalles para el calculo de la demanda de sistemas</a:t>
+            </a:r>
+            <a:endParaRPr lang="es-ES" dirty="0">
+              <a:latin typeface="Arial" pitchFamily="34" charset="0"/>
+              <a:cs typeface="Arial" pitchFamily="34" charset="0"/>
+            </a:endParaRPr>
+          </a:p>
+        </p:txBody>
+      </p:sp>
     </p:spTree>
   </p:cSld>
   <p:clrMapOvr>
     <a:masterClrMapping/>
   </p:clrMapOvr>
   <p:transition/>
+  <p:timing>
+    <p:tnLst>
+      <p:par>
+        <p:cTn id="1" dur="indefinite" restart="never" nodeType="tmRoot"/>
+      </p:par>
+    </p:tnLst>
+  </p:timing>
 </p:sld>
 </file>
 
@@ -25591,12 +25641,55 @@
           </a:graphicData>
         </a:graphic>
       </p:graphicFrame>
+      <p:sp>
+        <p:nvSpPr>
+          <p:cNvPr id="5" name="4 CuadroTexto"/>
+          <p:cNvSpPr txBox="1"/>
+          <p:nvPr/>
+        </p:nvSpPr>
+        <p:spPr>
+          <a:xfrm>
+            <a:off x="567559" y="520262"/>
+            <a:ext cx="8245365" cy="461665"/>
+          </a:xfrm>
+          <a:prstGeom prst="rect">
+            <a:avLst/>
+          </a:prstGeom>
+          <a:noFill/>
+        </p:spPr>
+        <p:txBody>
+          <a:bodyPr wrap="square" rtlCol="0">
+            <a:spAutoFit/>
+          </a:bodyPr>
+          <a:lstStyle/>
+          <a:p>
+            <a:r>
+              <a:rPr lang="es-ES" dirty="0" smtClean="0">
+                <a:latin typeface="Arial" pitchFamily="34" charset="0"/>
+                <a:cs typeface="Arial" pitchFamily="34" charset="0"/>
+              </a:rPr>
+              <a:t>Detalle remuneraciones</a:t>
+            </a:r>
+            <a:endParaRPr lang="es-ES" dirty="0">
+              <a:latin typeface="Arial" pitchFamily="34" charset="0"/>
+              <a:cs typeface="Arial" pitchFamily="34" charset="0"/>
+            </a:endParaRPr>
+          </a:p>
+        </p:txBody>
+      </p:sp>
     </p:spTree>
   </p:cSld>
   <p:clrMapOvr>
     <a:masterClrMapping/>
   </p:clrMapOvr>
   <p:transition/>
+  <p:timing>
+    <p:tnLst>
+      <p:par>
+        <p:cTn id="1" dur="indefinite" restart="never" nodeType="tmRoot"/>
+      </p:par>
+    </p:tnLst>
+  </p:timing>
 </p:sld>
 </file>
 
@@ -25626,7 +25719,7 @@
           <p:nvPr/>
         </p:nvGraphicFramePr>
         <p:xfrm>
-          <a:off x="1822133" y="1007413"/>
+          <a:off x="1822133" y="1606502"/>
           <a:ext cx="5499734" cy="2036826"/>
         </p:xfrm>
         <a:graphic>
@@ -28997,7 +29090,7 @@
           <p:nvPr/>
         </p:nvGraphicFramePr>
         <p:xfrm>
-          <a:off x="2245239" y="3568656"/>
+          <a:off x="2245239" y="3899732"/>
           <a:ext cx="4779645" cy="1927860"/>
         </p:xfrm>
         <a:graphic>
@@ -29022,7 +29115,7 @@
                           <a:spcPct val="115000"/>
                         </a:lnSpc>
                       </a:pPr>
-                      <a:endParaRPr lang="es-CL" sz="1100">
+                      <a:endParaRPr lang="es-CL" sz="1100" dirty="0">
                         <a:latin typeface="Calibri"/>
                         <a:ea typeface="Times New Roman"/>
                         <a:cs typeface="Times New Roman"/>
@@ -29064,7 +29157,7 @@
                         </a:spcAft>
                       </a:pPr>
                       <a:r>
-                        <a:rPr lang="es-ES" sz="900" b="1">
+                        <a:rPr lang="es-ES" sz="900" b="1" dirty="0">
                           <a:solidFill>
                             <a:srgbClr val="000000"/>
                           </a:solidFill>
@@ -29074,7 +29167,7 @@
                         </a:rPr>
                         <a:t>Inversión Activos</a:t>
                       </a:r>
-                      <a:endParaRPr lang="es-CL" sz="1200">
+                      <a:endParaRPr lang="es-CL" sz="1200" dirty="0">
                         <a:latin typeface="Arial"/>
                         <a:ea typeface="Calibri"/>
                         <a:cs typeface="Times New Roman"/>
@@ -32079,12 +32172,55 @@
           </a:graphicData>
         </a:graphic>
       </p:graphicFrame>
+      <p:sp>
+        <p:nvSpPr>
+          <p:cNvPr id="7" name="6 CuadroTexto"/>
+          <p:cNvSpPr txBox="1"/>
+          <p:nvPr/>
+        </p:nvSpPr>
+        <p:spPr>
+          <a:xfrm>
+            <a:off x="567559" y="520262"/>
+            <a:ext cx="8245365" cy="461665"/>
+          </a:xfrm>
+          <a:prstGeom prst="rect">
+            <a:avLst/>
+          </a:prstGeom>
+          <a:noFill/>
+        </p:spPr>
+        <p:txBody>
+          <a:bodyPr wrap="square" rtlCol="0">
+            <a:spAutoFit/>
+          </a:bodyPr>
+          <a:lstStyle/>
+          <a:p>
+            <a:r>
+              <a:rPr lang="es-ES" dirty="0" smtClean="0">
+                <a:latin typeface="Arial" pitchFamily="34" charset="0"/>
+                <a:cs typeface="Arial" pitchFamily="34" charset="0"/>
+              </a:rPr>
+              <a:t>Gastos e inversión Inicial</a:t>
+            </a:r>
+            <a:endParaRPr lang="es-ES" dirty="0">
+              <a:latin typeface="Arial" pitchFamily="34" charset="0"/>
+              <a:cs typeface="Arial" pitchFamily="34" charset="0"/>
+            </a:endParaRPr>
+          </a:p>
+        </p:txBody>
+      </p:sp>
     </p:spTree>
   </p:cSld>
   <p:clrMapOvr>
     <a:masterClrMapping/>
   </p:clrMapOvr>
   <p:transition/>
+  <p:timing>
+    <p:tnLst>
+      <p:par>
+        <p:cTn id="1" dur="indefinite" restart="never" nodeType="tmRoot"/>
+      </p:par>
+    </p:tnLst>
+  </p:timing>
 </p:sld>
 </file>
 
@@ -32114,7 +32250,7 @@
           <p:nvPr/>
         </p:nvGraphicFramePr>
         <p:xfrm>
-          <a:off x="1524000" y="1968573"/>
+          <a:off x="1524000" y="1385249"/>
           <a:ext cx="6096000" cy="2920854"/>
         </p:xfrm>
         <a:graphic>
@@ -32127,8 +32263,8 @@
                 <a:gridCol w="677403"/>
                 <a:gridCol w="559676"/>
                 <a:gridCol w="494832"/>
-                <a:gridCol w="494832"/>
-                <a:gridCol w="873825"/>
+                <a:gridCol w="590891"/>
+                <a:gridCol w="777766"/>
               </a:tblGrid>
               <a:tr h="208509">
                 <a:tc gridSpan="2">
@@ -37035,12 +37171,55 @@
           </a:graphicData>
         </a:graphic>
       </p:graphicFrame>
+      <p:sp>
+        <p:nvSpPr>
+          <p:cNvPr id="3" name="2 CuadroTexto"/>
+          <p:cNvSpPr txBox="1"/>
+          <p:nvPr/>
+        </p:nvSpPr>
+        <p:spPr>
+          <a:xfrm>
+            <a:off x="567559" y="520262"/>
+            <a:ext cx="8245365" cy="461665"/>
+          </a:xfrm>
+          <a:prstGeom prst="rect">
+            <a:avLst/>
+          </a:prstGeom>
+          <a:noFill/>
+        </p:spPr>
+        <p:txBody>
+          <a:bodyPr wrap="square" rtlCol="0">
+            <a:spAutoFit/>
+          </a:bodyPr>
+          <a:lstStyle/>
+          <a:p>
+            <a:r>
+              <a:rPr lang="es-ES" dirty="0" smtClean="0">
+                <a:latin typeface="Arial" pitchFamily="34" charset="0"/>
+                <a:cs typeface="Arial" pitchFamily="34" charset="0"/>
+              </a:rPr>
+              <a:t>Detalles depreciación de activos.</a:t>
+            </a:r>
+            <a:endParaRPr lang="es-ES" dirty="0">
+              <a:latin typeface="Arial" pitchFamily="34" charset="0"/>
+              <a:cs typeface="Arial" pitchFamily="34" charset="0"/>
+            </a:endParaRPr>
+          </a:p>
+        </p:txBody>
+      </p:sp>
     </p:spTree>
   </p:cSld>
   <p:clrMapOvr>
     <a:masterClrMapping/>
   </p:clrMapOvr>
   <p:transition/>
+  <p:timing>
+    <p:tnLst>
+      <p:par>
+        <p:cTn id="1" dur="indefinite" restart="never" nodeType="tmRoot"/>
+      </p:par>
+    </p:tnLst>
+  </p:timing>
 </p:sld>
 </file>
 
@@ -37070,7 +37249,7 @@
           <p:nvPr/>
         </p:nvGraphicFramePr>
         <p:xfrm>
-          <a:off x="3065462" y="742950"/>
+          <a:off x="3002400" y="1956895"/>
           <a:ext cx="3013075" cy="1714500"/>
         </p:xfrm>
         <a:graphic>
@@ -37096,7 +37275,7 @@
                         </a:spcAft>
                       </a:pPr>
                       <a:r>
-                        <a:rPr lang="es-ES" sz="900" b="1">
+                        <a:rPr lang="es-ES" sz="900" b="1" dirty="0">
                           <a:solidFill>
                             <a:srgbClr val="000000"/>
                           </a:solidFill>
@@ -37106,7 +37285,7 @@
                         </a:rPr>
                         <a:t>Valor libro</a:t>
                       </a:r>
-                      <a:endParaRPr lang="es-CL" sz="1200">
+                      <a:endParaRPr lang="es-CL" sz="1200" dirty="0">
                         <a:latin typeface="Arial"/>
                         <a:ea typeface="Calibri"/>
                         <a:cs typeface="Times New Roman"/>
@@ -38366,7 +38545,7 @@
           <p:nvPr/>
         </p:nvGraphicFramePr>
         <p:xfrm>
-          <a:off x="3065462" y="3045714"/>
+          <a:off x="3081228" y="4133535"/>
           <a:ext cx="3013075" cy="766572"/>
         </p:xfrm>
         <a:graphic>
@@ -39131,12 +39310,55 @@
           </a:graphicData>
         </a:graphic>
       </p:graphicFrame>
+      <p:sp>
+        <p:nvSpPr>
+          <p:cNvPr id="5" name="4 CuadroTexto"/>
+          <p:cNvSpPr txBox="1"/>
+          <p:nvPr/>
+        </p:nvSpPr>
+        <p:spPr>
+          <a:xfrm>
+            <a:off x="567559" y="520262"/>
+            <a:ext cx="8245365" cy="461665"/>
+          </a:xfrm>
+          <a:prstGeom prst="rect">
+            <a:avLst/>
+          </a:prstGeom>
+          <a:noFill/>
+        </p:spPr>
+        <p:txBody>
+          <a:bodyPr wrap="square" rtlCol="0">
+            <a:spAutoFit/>
+          </a:bodyPr>
+          <a:lstStyle/>
+          <a:p>
+            <a:r>
+              <a:rPr lang="es-ES" dirty="0" smtClean="0">
+                <a:latin typeface="Arial" pitchFamily="34" charset="0"/>
+                <a:cs typeface="Arial" pitchFamily="34" charset="0"/>
+              </a:rPr>
+              <a:t>Valor Libro y Capital de Trabajo</a:t>
+            </a:r>
+            <a:endParaRPr lang="es-ES" dirty="0">
+              <a:latin typeface="Arial" pitchFamily="34" charset="0"/>
+              <a:cs typeface="Arial" pitchFamily="34" charset="0"/>
+            </a:endParaRPr>
+          </a:p>
+        </p:txBody>
+      </p:sp>
     </p:spTree>
   </p:cSld>
   <p:clrMapOvr>
     <a:masterClrMapping/>
   </p:clrMapOvr>
   <p:transition/>
+  <p:timing>
+    <p:tnLst>
+      <p:par>
+        <p:cTn id="1" dur="indefinite" restart="never" nodeType="tmRoot"/>
+      </p:par>
+    </p:tnLst>
+  </p:timing>
 </p:sld>
 </file>
 
@@ -39166,7 +39388,7 @@
           <p:nvPr/>
         </p:nvGraphicFramePr>
         <p:xfrm>
-          <a:off x="2180590" y="2365438"/>
+          <a:off x="2212121" y="1277617"/>
           <a:ext cx="4782820" cy="2127123"/>
         </p:xfrm>
         <a:graphic>
@@ -42762,12 +42984,55 @@
           </a:graphicData>
         </a:graphic>
       </p:graphicFrame>
+      <p:sp>
+        <p:nvSpPr>
+          <p:cNvPr id="3" name="2 CuadroTexto"/>
+          <p:cNvSpPr txBox="1"/>
+          <p:nvPr/>
+        </p:nvSpPr>
+        <p:spPr>
+          <a:xfrm>
+            <a:off x="567559" y="520262"/>
+            <a:ext cx="8245365" cy="461665"/>
+          </a:xfrm>
+          <a:prstGeom prst="rect">
+            <a:avLst/>
+          </a:prstGeom>
+          <a:noFill/>
+        </p:spPr>
+        <p:txBody>
+          <a:bodyPr wrap="square" rtlCol="0">
+            <a:spAutoFit/>
+          </a:bodyPr>
+          <a:lstStyle/>
+          <a:p>
+            <a:r>
+              <a:rPr lang="es-ES" dirty="0" smtClean="0">
+                <a:latin typeface="Arial" pitchFamily="34" charset="0"/>
+                <a:cs typeface="Arial" pitchFamily="34" charset="0"/>
+              </a:rPr>
+              <a:t>Calculo de amortización del préstamo.</a:t>
+            </a:r>
+            <a:endParaRPr lang="es-ES" dirty="0">
+              <a:latin typeface="Arial" pitchFamily="34" charset="0"/>
+              <a:cs typeface="Arial" pitchFamily="34" charset="0"/>
+            </a:endParaRPr>
+          </a:p>
+        </p:txBody>
+      </p:sp>
     </p:spTree>
   </p:cSld>
   <p:clrMapOvr>
     <a:masterClrMapping/>
   </p:clrMapOvr>
   <p:transition/>
+  <p:timing>
+    <p:tnLst>
+      <p:par>
+        <p:cTn id="1" dur="indefinite" restart="never" nodeType="tmRoot"/>
+      </p:par>
+    </p:tnLst>
+  </p:timing>
 </p:sld>
 </file>
 
